--- a/pptx/images.pptx
+++ b/pptx/images.pptx
@@ -1345,7 +1345,7 @@
           <a:p>
             <a:fld id="{D683DCBC-3E4E-4800-AA7A-BE572DCB7871}" type="datetimeFigureOut">
               <a:rPr kumimoji="1" lang="ja-JP" altLang="en-US" smtClean="0"/>
-              <a:t>2021/12/7</a:t>
+              <a:t>2021/12/9</a:t>
             </a:fld>
             <a:endParaRPr kumimoji="1" lang="ja-JP" altLang="en-US" dirty="0"/>
           </a:p>
@@ -1547,7 +1547,7 @@
           <a:p>
             <a:fld id="{D683DCBC-3E4E-4800-AA7A-BE572DCB7871}" type="datetimeFigureOut">
               <a:rPr kumimoji="1" lang="ja-JP" altLang="en-US" smtClean="0"/>
-              <a:t>2021/12/7</a:t>
+              <a:t>2021/12/9</a:t>
             </a:fld>
             <a:endParaRPr kumimoji="1" lang="ja-JP" altLang="en-US" dirty="0"/>
           </a:p>
@@ -1759,7 +1759,7 @@
           <a:p>
             <a:fld id="{D683DCBC-3E4E-4800-AA7A-BE572DCB7871}" type="datetimeFigureOut">
               <a:rPr kumimoji="1" lang="ja-JP" altLang="en-US" smtClean="0"/>
-              <a:t>2021/12/7</a:t>
+              <a:t>2021/12/9</a:t>
             </a:fld>
             <a:endParaRPr kumimoji="1" lang="ja-JP" altLang="en-US" dirty="0"/>
           </a:p>
@@ -1961,7 +1961,7 @@
           <a:p>
             <a:fld id="{D683DCBC-3E4E-4800-AA7A-BE572DCB7871}" type="datetimeFigureOut">
               <a:rPr kumimoji="1" lang="ja-JP" altLang="en-US" smtClean="0"/>
-              <a:t>2021/12/7</a:t>
+              <a:t>2021/12/9</a:t>
             </a:fld>
             <a:endParaRPr kumimoji="1" lang="ja-JP" altLang="en-US" dirty="0"/>
           </a:p>
@@ -2205,7 +2205,7 @@
           <a:p>
             <a:fld id="{D683DCBC-3E4E-4800-AA7A-BE572DCB7871}" type="datetimeFigureOut">
               <a:rPr kumimoji="1" lang="ja-JP" altLang="en-US" smtClean="0"/>
-              <a:t>2021/12/7</a:t>
+              <a:t>2021/12/9</a:t>
             </a:fld>
             <a:endParaRPr kumimoji="1" lang="ja-JP" altLang="en-US" dirty="0"/>
           </a:p>
@@ -2501,7 +2501,7 @@
           <a:p>
             <a:fld id="{D683DCBC-3E4E-4800-AA7A-BE572DCB7871}" type="datetimeFigureOut">
               <a:rPr kumimoji="1" lang="ja-JP" altLang="en-US" smtClean="0"/>
-              <a:t>2021/12/7</a:t>
+              <a:t>2021/12/9</a:t>
             </a:fld>
             <a:endParaRPr kumimoji="1" lang="ja-JP" altLang="en-US" dirty="0"/>
           </a:p>
@@ -2932,7 +2932,7 @@
           <a:p>
             <a:fld id="{D683DCBC-3E4E-4800-AA7A-BE572DCB7871}" type="datetimeFigureOut">
               <a:rPr kumimoji="1" lang="ja-JP" altLang="en-US" smtClean="0"/>
-              <a:t>2021/12/7</a:t>
+              <a:t>2021/12/9</a:t>
             </a:fld>
             <a:endParaRPr kumimoji="1" lang="ja-JP" altLang="en-US" dirty="0"/>
           </a:p>
@@ -3050,7 +3050,7 @@
           <a:p>
             <a:fld id="{D683DCBC-3E4E-4800-AA7A-BE572DCB7871}" type="datetimeFigureOut">
               <a:rPr kumimoji="1" lang="ja-JP" altLang="en-US" smtClean="0"/>
-              <a:t>2021/12/7</a:t>
+              <a:t>2021/12/9</a:t>
             </a:fld>
             <a:endParaRPr kumimoji="1" lang="ja-JP" altLang="en-US" dirty="0"/>
           </a:p>
@@ -3145,7 +3145,7 @@
           <a:p>
             <a:fld id="{D683DCBC-3E4E-4800-AA7A-BE572DCB7871}" type="datetimeFigureOut">
               <a:rPr kumimoji="1" lang="ja-JP" altLang="en-US" smtClean="0"/>
-              <a:t>2021/12/7</a:t>
+              <a:t>2021/12/9</a:t>
             </a:fld>
             <a:endParaRPr kumimoji="1" lang="ja-JP" altLang="en-US" dirty="0"/>
           </a:p>
@@ -3454,7 +3454,7 @@
           <a:p>
             <a:fld id="{D683DCBC-3E4E-4800-AA7A-BE572DCB7871}" type="datetimeFigureOut">
               <a:rPr kumimoji="1" lang="ja-JP" altLang="en-US" smtClean="0"/>
-              <a:t>2021/12/7</a:t>
+              <a:t>2021/12/9</a:t>
             </a:fld>
             <a:endParaRPr kumimoji="1" lang="ja-JP" altLang="en-US" dirty="0"/>
           </a:p>
@@ -3711,7 +3711,7 @@
           <a:p>
             <a:fld id="{D683DCBC-3E4E-4800-AA7A-BE572DCB7871}" type="datetimeFigureOut">
               <a:rPr kumimoji="1" lang="ja-JP" altLang="en-US" smtClean="0"/>
-              <a:t>2021/12/7</a:t>
+              <a:t>2021/12/9</a:t>
             </a:fld>
             <a:endParaRPr kumimoji="1" lang="ja-JP" altLang="en-US" dirty="0"/>
           </a:p>
@@ -3956,7 +3956,7 @@
           <a:p>
             <a:fld id="{D683DCBC-3E4E-4800-AA7A-BE572DCB7871}" type="datetimeFigureOut">
               <a:rPr kumimoji="1" lang="ja-JP" altLang="en-US" smtClean="0"/>
-              <a:t>2021/12/7</a:t>
+              <a:t>2021/12/9</a:t>
             </a:fld>
             <a:endParaRPr kumimoji="1" lang="ja-JP" altLang="en-US" dirty="0"/>
           </a:p>
@@ -5504,7 +5504,6 @@
                 <a:rPr kumimoji="1" lang="en-US" altLang="ja-JP" sz="900" dirty="0" smtClean="0"/>
                 <a:t>19:00~20:00</a:t>
               </a:r>
-              <a:endParaRPr kumimoji="1" lang="en-US" altLang="ja-JP" sz="900" dirty="0" smtClean="0"/>
             </a:p>
           </p:txBody>
         </p:sp>
@@ -6467,11 +6466,7 @@
                 </a:r>
                 <a:r>
                   <a:rPr kumimoji="1" lang="ja-JP" altLang="en-US" sz="1100" dirty="0" smtClean="0"/>
-                  <a:t>日に</a:t>
-                </a:r>
-                <a:r>
-                  <a:rPr kumimoji="1" lang="ja-JP" altLang="en-US" sz="1100" dirty="0" smtClean="0"/>
-                  <a:t>オープン</a:t>
+                  <a:t>日にオープン</a:t>
                 </a:r>
                 <a:endParaRPr kumimoji="1" lang="en-US" altLang="ja-JP" sz="1100" dirty="0"/>
               </a:p>
@@ -7224,15 +7219,7 @@
                 <a:avLst/>
               </a:prstGeom>
               <a:grpFill/>
-              <a:extLst>
-                <a:ext uri="{909E8E84-426E-40DD-AFC4-6F175D3DCCD1}">
-                  <a14:hiddenFill xmlns:a14="http://schemas.microsoft.com/office/drawing/2010/main">
-                    <a:solidFill>
-                      <a:srgbClr val="FFFFFF"/>
-                    </a:solidFill>
-                  </a14:hiddenFill>
-                </a:ext>
-              </a:extLst>
+              <a:extLst/>
             </p:spPr>
           </p:pic>
         </p:grpSp>
@@ -10538,17 +10525,7 @@
                       </a:schemeClr>
                     </a:solidFill>
                   </a:rPr>
-                  <a:t>2</a:t>
-                </a:r>
-                <a:r>
-                  <a:rPr kumimoji="1" lang="en-US" altLang="ja-JP" sz="1000" dirty="0" smtClean="0">
-                    <a:solidFill>
-                      <a:schemeClr val="bg2">
-                        <a:lumMod val="50000"/>
-                      </a:schemeClr>
-                    </a:solidFill>
-                  </a:rPr>
-                  <a:t>7</a:t>
+                  <a:t>27</a:t>
                 </a:r>
                 <a:r>
                   <a:rPr kumimoji="1" lang="ja-JP" altLang="en-US" sz="1000" dirty="0" smtClean="0">
@@ -10558,17 +10535,7 @@
                       </a:schemeClr>
                     </a:solidFill>
                   </a:rPr>
-                  <a:t>分</a:t>
-                </a:r>
-                <a:r>
-                  <a:rPr kumimoji="1" lang="ja-JP" altLang="en-US" sz="1000" dirty="0" smtClean="0">
-                    <a:solidFill>
-                      <a:schemeClr val="bg2">
-                        <a:lumMod val="50000"/>
-                      </a:schemeClr>
-                    </a:solidFill>
-                  </a:rPr>
-                  <a:t>前</a:t>
+                  <a:t>分前</a:t>
                 </a:r>
                 <a:endParaRPr kumimoji="1" lang="en-US" altLang="ja-JP" sz="1000" dirty="0" smtClean="0">
                   <a:solidFill>
@@ -10918,17 +10885,7 @@
                       </a:schemeClr>
                     </a:solidFill>
                   </a:rPr>
-                  <a:t>時間</a:t>
-                </a:r>
-                <a:r>
-                  <a:rPr kumimoji="1" lang="ja-JP" altLang="en-US" sz="1000" dirty="0" smtClean="0">
-                    <a:solidFill>
-                      <a:schemeClr val="bg2">
-                        <a:lumMod val="50000"/>
-                      </a:schemeClr>
-                    </a:solidFill>
-                  </a:rPr>
-                  <a:t>前</a:t>
+                  <a:t>時間前</a:t>
                 </a:r>
                 <a:endParaRPr kumimoji="1" lang="en-US" altLang="ja-JP" sz="1000" dirty="0" smtClean="0">
                   <a:solidFill>
@@ -11347,17 +11304,7 @@
                       </a:schemeClr>
                     </a:solidFill>
                   </a:rPr>
-                  <a:t>時間</a:t>
-                </a:r>
-                <a:r>
-                  <a:rPr kumimoji="1" lang="ja-JP" altLang="en-US" sz="1000" dirty="0" smtClean="0">
-                    <a:solidFill>
-                      <a:schemeClr val="bg2">
-                        <a:lumMod val="50000"/>
-                      </a:schemeClr>
-                    </a:solidFill>
-                  </a:rPr>
-                  <a:t>前</a:t>
+                  <a:t>時間前</a:t>
                 </a:r>
                 <a:endParaRPr kumimoji="1" lang="en-US" altLang="ja-JP" sz="1000" dirty="0" smtClean="0">
                   <a:solidFill>
@@ -11568,6 +11515,172 @@
           <a:chExt cx="0" cy="0"/>
         </a:xfrm>
       </p:grpSpPr>
+      <p:sp>
+        <p:nvSpPr>
+          <p:cNvPr id="6" name="角丸四角形 5"/>
+          <p:cNvSpPr/>
+          <p:nvPr/>
+        </p:nvSpPr>
+        <p:spPr>
+          <a:xfrm>
+            <a:off x="1133306" y="988900"/>
+            <a:ext cx="670557" cy="249382"/>
+          </a:xfrm>
+          <a:prstGeom prst="roundRect">
+            <a:avLst>
+              <a:gd name="adj" fmla="val 3933"/>
+            </a:avLst>
+          </a:prstGeom>
+          <a:solidFill>
+            <a:schemeClr val="accent1">
+              <a:lumMod val="20000"/>
+              <a:lumOff val="80000"/>
+            </a:schemeClr>
+          </a:solidFill>
+          <a:ln>
+            <a:noFill/>
+          </a:ln>
+          <a:effectLst>
+            <a:outerShdw blurRad="50800" dist="38100" dir="2700000" algn="tl" rotWithShape="0">
+              <a:prstClr val="black">
+                <a:alpha val="40000"/>
+              </a:prstClr>
+            </a:outerShdw>
+          </a:effectLst>
+        </p:spPr>
+        <p:style>
+          <a:lnRef idx="2">
+            <a:schemeClr val="accent1">
+              <a:shade val="50000"/>
+            </a:schemeClr>
+          </a:lnRef>
+          <a:fillRef idx="1">
+            <a:schemeClr val="accent1"/>
+          </a:fillRef>
+          <a:effectRef idx="0">
+            <a:schemeClr val="accent1"/>
+          </a:effectRef>
+          <a:fontRef idx="minor">
+            <a:schemeClr val="lt1"/>
+          </a:fontRef>
+        </p:style>
+        <p:txBody>
+          <a:bodyPr rtlCol="0" anchor="ctr"/>
+          <a:lstStyle/>
+          <a:p>
+            <a:pPr algn="ctr"/>
+            <a:r>
+              <a:rPr kumimoji="1" lang="ja-JP" altLang="en-US" sz="1100" dirty="0" smtClean="0">
+                <a:solidFill>
+                  <a:schemeClr val="tx1"/>
+                </a:solidFill>
+              </a:rPr>
+              <a:t>共有</a:t>
+            </a:r>
+            <a:endParaRPr kumimoji="1" lang="ja-JP" altLang="en-US" sz="1100" dirty="0">
+              <a:solidFill>
+                <a:schemeClr val="tx1"/>
+              </a:solidFill>
+            </a:endParaRPr>
+          </a:p>
+        </p:txBody>
+      </p:sp>
+      <p:sp>
+        <p:nvSpPr>
+          <p:cNvPr id="7" name="角丸四角形 6"/>
+          <p:cNvSpPr/>
+          <p:nvPr/>
+        </p:nvSpPr>
+        <p:spPr>
+          <a:xfrm>
+            <a:off x="412868" y="988900"/>
+            <a:ext cx="518157" cy="249382"/>
+          </a:xfrm>
+          <a:prstGeom prst="roundRect">
+            <a:avLst>
+              <a:gd name="adj" fmla="val 3933"/>
+            </a:avLst>
+          </a:prstGeom>
+          <a:solidFill>
+            <a:schemeClr val="accent1"/>
+          </a:solidFill>
+          <a:ln>
+            <a:noFill/>
+          </a:ln>
+          <a:effectLst>
+            <a:outerShdw blurRad="50800" dist="38100" dir="2700000" algn="tl" rotWithShape="0">
+              <a:prstClr val="black">
+                <a:alpha val="40000"/>
+              </a:prstClr>
+            </a:outerShdw>
+          </a:effectLst>
+        </p:spPr>
+        <p:style>
+          <a:lnRef idx="2">
+            <a:schemeClr val="accent1">
+              <a:shade val="50000"/>
+            </a:schemeClr>
+          </a:lnRef>
+          <a:fillRef idx="1">
+            <a:schemeClr val="accent1"/>
+          </a:fillRef>
+          <a:effectRef idx="0">
+            <a:schemeClr val="accent1"/>
+          </a:effectRef>
+          <a:fontRef idx="minor">
+            <a:schemeClr val="lt1"/>
+          </a:fontRef>
+        </p:style>
+        <p:txBody>
+          <a:bodyPr rtlCol="0" anchor="ctr"/>
+          <a:lstStyle/>
+          <a:p>
+            <a:pPr algn="ctr"/>
+            <a:r>
+              <a:rPr kumimoji="1" lang="ja-JP" altLang="en-US" sz="1100" dirty="0" smtClean="0">
+                <a:solidFill>
+                  <a:schemeClr val="bg1"/>
+                </a:solidFill>
+              </a:rPr>
+              <a:t>★</a:t>
+            </a:r>
+            <a:endParaRPr kumimoji="1" lang="ja-JP" altLang="en-US" sz="1100" dirty="0">
+              <a:solidFill>
+                <a:schemeClr val="bg1"/>
+              </a:solidFill>
+            </a:endParaRPr>
+          </a:p>
+        </p:txBody>
+      </p:sp>
+      <p:sp>
+        <p:nvSpPr>
+          <p:cNvPr id="4" name="テキスト ボックス 3"/>
+          <p:cNvSpPr txBox="1"/>
+          <p:nvPr/>
+        </p:nvSpPr>
+        <p:spPr>
+          <a:xfrm>
+            <a:off x="182880" y="232756"/>
+            <a:ext cx="4605251" cy="369332"/>
+          </a:xfrm>
+          <a:prstGeom prst="rect">
+            <a:avLst/>
+          </a:prstGeom>
+          <a:noFill/>
+        </p:spPr>
+        <p:txBody>
+          <a:bodyPr wrap="square" rtlCol="0">
+            <a:spAutoFit/>
+          </a:bodyPr>
+          <a:lstStyle/>
+          <a:p>
+            <a:r>
+              <a:rPr kumimoji="1" lang="ja-JP" altLang="en-US" dirty="0"/>
+              <a:t>素材置き場</a:t>
+            </a:r>
+          </a:p>
+        </p:txBody>
+      </p:sp>
     </p:spTree>
     <p:extLst>
       <p:ext uri="{BB962C8B-B14F-4D97-AF65-F5344CB8AC3E}">
